--- a/01-需求文件/需求.pptx
+++ b/01-需求文件/需求.pptx
@@ -450,7 +450,7 @@
           <a:p>
             <a:fld id="{533EB0DC-3673-4D85-A136-E7206D8E2189}" type="datetimeFigureOut">
               <a:rPr lang="zh-TW" altLang="en-US" smtClean="0"/>
-              <a:t>2018/4/25</a:t>
+              <a:t>2018/6/27</a:t>
             </a:fld>
             <a:endParaRPr lang="zh-TW" altLang="en-US"/>
           </a:p>
@@ -774,7 +774,7 @@
           <a:p>
             <a:fld id="{533EB0DC-3673-4D85-A136-E7206D8E2189}" type="datetimeFigureOut">
               <a:rPr lang="zh-TW" altLang="en-US" smtClean="0"/>
-              <a:t>2018/4/25</a:t>
+              <a:t>2018/6/27</a:t>
             </a:fld>
             <a:endParaRPr lang="zh-TW" altLang="en-US"/>
           </a:p>
@@ -1022,7 +1022,7 @@
           <a:p>
             <a:fld id="{533EB0DC-3673-4D85-A136-E7206D8E2189}" type="datetimeFigureOut">
               <a:rPr lang="zh-TW" altLang="en-US" smtClean="0"/>
-              <a:t>2018/4/25</a:t>
+              <a:t>2018/6/27</a:t>
             </a:fld>
             <a:endParaRPr lang="zh-TW" altLang="en-US"/>
           </a:p>
@@ -1361,7 +1361,7 @@
           <a:p>
             <a:fld id="{533EB0DC-3673-4D85-A136-E7206D8E2189}" type="datetimeFigureOut">
               <a:rPr lang="zh-TW" altLang="en-US" smtClean="0"/>
-              <a:t>2018/4/25</a:t>
+              <a:t>2018/6/27</a:t>
             </a:fld>
             <a:endParaRPr lang="zh-TW" altLang="en-US"/>
           </a:p>
@@ -1708,7 +1708,7 @@
           <a:p>
             <a:fld id="{533EB0DC-3673-4D85-A136-E7206D8E2189}" type="datetimeFigureOut">
               <a:rPr lang="zh-TW" altLang="en-US" smtClean="0"/>
-              <a:t>2018/4/25</a:t>
+              <a:t>2018/6/27</a:t>
             </a:fld>
             <a:endParaRPr lang="zh-TW" altLang="en-US"/>
           </a:p>
@@ -2082,7 +2082,7 @@
           <a:p>
             <a:fld id="{533EB0DC-3673-4D85-A136-E7206D8E2189}" type="datetimeFigureOut">
               <a:rPr lang="zh-TW" altLang="en-US" smtClean="0"/>
-              <a:t>2018/4/25</a:t>
+              <a:t>2018/6/27</a:t>
             </a:fld>
             <a:endParaRPr lang="zh-TW" altLang="en-US"/>
           </a:p>
@@ -2552,7 +2552,7 @@
           <a:p>
             <a:fld id="{533EB0DC-3673-4D85-A136-E7206D8E2189}" type="datetimeFigureOut">
               <a:rPr lang="zh-TW" altLang="en-US" smtClean="0"/>
-              <a:t>2018/4/25</a:t>
+              <a:t>2018/6/27</a:t>
             </a:fld>
             <a:endParaRPr lang="zh-TW" altLang="en-US"/>
           </a:p>
@@ -2762,7 +2762,7 @@
           <a:p>
             <a:fld id="{533EB0DC-3673-4D85-A136-E7206D8E2189}" type="datetimeFigureOut">
               <a:rPr lang="zh-TW" altLang="en-US" smtClean="0"/>
-              <a:t>2018/4/25</a:t>
+              <a:t>2018/6/27</a:t>
             </a:fld>
             <a:endParaRPr lang="zh-TW" altLang="en-US"/>
           </a:p>
@@ -2973,7 +2973,7 @@
           <a:p>
             <a:fld id="{533EB0DC-3673-4D85-A136-E7206D8E2189}" type="datetimeFigureOut">
               <a:rPr lang="zh-TW" altLang="en-US" smtClean="0"/>
-              <a:t>2018/4/25</a:t>
+              <a:t>2018/6/27</a:t>
             </a:fld>
             <a:endParaRPr lang="zh-TW" altLang="en-US"/>
           </a:p>
@@ -3205,7 +3205,7 @@
           <a:p>
             <a:fld id="{533EB0DC-3673-4D85-A136-E7206D8E2189}" type="datetimeFigureOut">
               <a:rPr lang="zh-TW" altLang="en-US" smtClean="0"/>
-              <a:t>2018/4/25</a:t>
+              <a:t>2018/6/27</a:t>
             </a:fld>
             <a:endParaRPr lang="zh-TW" altLang="en-US"/>
           </a:p>
@@ -3453,7 +3453,7 @@
           <a:p>
             <a:fld id="{533EB0DC-3673-4D85-A136-E7206D8E2189}" type="datetimeFigureOut">
               <a:rPr lang="zh-TW" altLang="en-US" smtClean="0"/>
-              <a:t>2018/4/25</a:t>
+              <a:t>2018/6/27</a:t>
             </a:fld>
             <a:endParaRPr lang="zh-TW" altLang="en-US"/>
           </a:p>
@@ -3756,7 +3756,7 @@
           <a:p>
             <a:fld id="{533EB0DC-3673-4D85-A136-E7206D8E2189}" type="datetimeFigureOut">
               <a:rPr lang="zh-TW" altLang="en-US" smtClean="0"/>
-              <a:t>2018/4/25</a:t>
+              <a:t>2018/6/27</a:t>
             </a:fld>
             <a:endParaRPr lang="zh-TW" altLang="en-US"/>
           </a:p>
@@ -4138,7 +4138,7 @@
           <a:p>
             <a:fld id="{533EB0DC-3673-4D85-A136-E7206D8E2189}" type="datetimeFigureOut">
               <a:rPr lang="zh-TW" altLang="en-US" smtClean="0"/>
-              <a:t>2018/4/25</a:t>
+              <a:t>2018/6/27</a:t>
             </a:fld>
             <a:endParaRPr lang="zh-TW" altLang="en-US"/>
           </a:p>
@@ -4292,7 +4292,7 @@
           <a:p>
             <a:fld id="{533EB0DC-3673-4D85-A136-E7206D8E2189}" type="datetimeFigureOut">
               <a:rPr lang="zh-TW" altLang="en-US" smtClean="0"/>
-              <a:t>2018/4/25</a:t>
+              <a:t>2018/6/27</a:t>
             </a:fld>
             <a:endParaRPr lang="zh-TW" altLang="en-US"/>
           </a:p>
@@ -4418,7 +4418,7 @@
           <a:p>
             <a:fld id="{533EB0DC-3673-4D85-A136-E7206D8E2189}" type="datetimeFigureOut">
               <a:rPr lang="zh-TW" altLang="en-US" smtClean="0"/>
-              <a:t>2018/4/25</a:t>
+              <a:t>2018/6/27</a:t>
             </a:fld>
             <a:endParaRPr lang="zh-TW" altLang="en-US"/>
           </a:p>
@@ -4673,7 +4673,7 @@
           <a:p>
             <a:fld id="{533EB0DC-3673-4D85-A136-E7206D8E2189}" type="datetimeFigureOut">
               <a:rPr lang="zh-TW" altLang="en-US" smtClean="0"/>
-              <a:t>2018/4/25</a:t>
+              <a:t>2018/6/27</a:t>
             </a:fld>
             <a:endParaRPr lang="zh-TW" altLang="en-US"/>
           </a:p>
@@ -4987,7 +4987,7 @@
           <a:p>
             <a:fld id="{533EB0DC-3673-4D85-A136-E7206D8E2189}" type="datetimeFigureOut">
               <a:rPr lang="zh-TW" altLang="en-US" smtClean="0"/>
-              <a:t>2018/4/25</a:t>
+              <a:t>2018/6/27</a:t>
             </a:fld>
             <a:endParaRPr lang="zh-TW" altLang="en-US"/>
           </a:p>
@@ -5338,7 +5338,7 @@
           <a:p>
             <a:fld id="{533EB0DC-3673-4D85-A136-E7206D8E2189}" type="datetimeFigureOut">
               <a:rPr lang="zh-TW" altLang="en-US" smtClean="0"/>
-              <a:t>2018/4/25</a:t>
+              <a:t>2018/6/27</a:t>
             </a:fld>
             <a:endParaRPr lang="zh-TW" altLang="en-US"/>
           </a:p>
@@ -6343,15 +6343,7 @@
             </a:r>
             <a:r>
               <a:rPr lang="zh-TW" altLang="en-US" dirty="0" smtClean="0"/>
-              <a:t>攝影機</a:t>
-            </a:r>
-            <a:r>
-              <a:rPr lang="zh-TW" altLang="en-US" dirty="0" smtClean="0"/>
-              <a:t>擷取</a:t>
-            </a:r>
-            <a:r>
-              <a:rPr lang="zh-TW" altLang="en-US" dirty="0" smtClean="0"/>
-              <a:t>影像</a:t>
+              <a:t>攝影機擷取影像</a:t>
             </a:r>
             <a:endParaRPr lang="en-US" altLang="zh-TW" dirty="0" smtClean="0"/>
           </a:p>
@@ -6383,11 +6375,7 @@
             </a:r>
             <a:r>
               <a:rPr lang="zh-TW" altLang="en-US" dirty="0" smtClean="0"/>
-              <a:t>版網路</a:t>
-            </a:r>
-            <a:r>
-              <a:rPr lang="zh-TW" altLang="en-US" dirty="0" smtClean="0"/>
-              <a:t>開通</a:t>
+              <a:t>版網路開通</a:t>
             </a:r>
             <a:endParaRPr lang="en-US" altLang="zh-TW" dirty="0" smtClean="0"/>
           </a:p>
@@ -6579,15 +6567,7 @@
             </a:pPr>
             <a:r>
               <a:rPr lang="zh-TW" altLang="en-US" dirty="0" smtClean="0"/>
-              <a:t>支援</a:t>
-            </a:r>
-            <a:r>
-              <a:rPr lang="zh-TW" altLang="en-US" dirty="0" smtClean="0"/>
-              <a:t>千兆或百兆</a:t>
-            </a:r>
-            <a:r>
-              <a:rPr lang="zh-TW" altLang="en-US" dirty="0" smtClean="0"/>
-              <a:t>網路之嵌入式開發平台。 </a:t>
+              <a:t>支援千兆或百兆網路之嵌入式開發平台。 </a:t>
             </a:r>
             <a:endParaRPr lang="en-US" altLang="zh-TW" dirty="0" smtClean="0"/>
           </a:p>
@@ -6655,8 +6635,73 @@
             </a:r>
             <a:r>
               <a:rPr lang="zh-TW" altLang="en-US" dirty="0"/>
-              <a:t>之嵌入式開發平台。</a:t>
-            </a:r>
+              <a:t>之嵌入式開發平台</a:t>
+            </a:r>
+            <a:r>
+              <a:rPr lang="zh-TW" altLang="en-US" dirty="0" smtClean="0"/>
+              <a:t>。</a:t>
+            </a:r>
+            <a:endParaRPr lang="en-US" altLang="zh-TW" dirty="0" smtClean="0"/>
+          </a:p>
+          <a:p>
+            <a:pPr marL="514350" indent="-514350">
+              <a:buAutoNum type="arabicPeriod"/>
+            </a:pPr>
+            <a:r>
+              <a:rPr lang="zh-TW" altLang="en-US" dirty="0" smtClean="0"/>
+              <a:t>在</a:t>
+            </a:r>
+            <a:r>
+              <a:rPr lang="en-US" altLang="zh-TW" dirty="0" smtClean="0"/>
+              <a:t>FPGA</a:t>
+            </a:r>
+            <a:r>
+              <a:rPr lang="zh-TW" altLang="en-US" dirty="0" smtClean="0"/>
+              <a:t>處理影像每秒</a:t>
+            </a:r>
+            <a:r>
+              <a:rPr lang="en-US" altLang="zh-TW" dirty="0" smtClean="0"/>
+              <a:t>30</a:t>
+            </a:r>
+            <a:r>
+              <a:rPr lang="zh-TW" altLang="en-US" dirty="0" smtClean="0"/>
+              <a:t>張</a:t>
+            </a:r>
+            <a:endParaRPr lang="en-US" altLang="zh-TW" dirty="0"/>
+          </a:p>
+          <a:p>
+            <a:pPr marL="514350" indent="-514350">
+              <a:buAutoNum type="arabicPeriod"/>
+            </a:pPr>
+            <a:r>
+              <a:rPr lang="zh-TW" altLang="en-US" dirty="0" smtClean="0"/>
+              <a:t>傳輸到</a:t>
+            </a:r>
+            <a:r>
+              <a:rPr lang="en-US" altLang="zh-TW" dirty="0" smtClean="0"/>
+              <a:t>Raspberry Pi Server</a:t>
+            </a:r>
+            <a:r>
+              <a:rPr lang="zh-TW" altLang="en-US" dirty="0" smtClean="0"/>
+              <a:t> </a:t>
+            </a:r>
+            <a:r>
+              <a:rPr lang="en-US" altLang="zh-TW" dirty="0" smtClean="0"/>
+              <a:t>6</a:t>
+            </a:r>
+            <a:r>
+              <a:rPr lang="zh-TW" altLang="en-US" dirty="0" smtClean="0"/>
+              <a:t> 秒一張</a:t>
+            </a:r>
+            <a:r>
+              <a:rPr lang="en-US" altLang="zh-TW" dirty="0" smtClean="0"/>
+              <a:t>720x480pxl</a:t>
+            </a:r>
+          </a:p>
+          <a:p>
+            <a:pPr marL="514350" indent="-514350">
+              <a:buAutoNum type="arabicPeriod"/>
+            </a:pPr>
             <a:endParaRPr lang="en-US" altLang="zh-TW" dirty="0" smtClean="0"/>
           </a:p>
         </p:txBody>
@@ -6684,7 +6729,7 @@
         </p:blipFill>
         <p:spPr bwMode="auto">
           <a:xfrm>
-            <a:off x="3060747" y="4523650"/>
+            <a:off x="3195776" y="5446518"/>
             <a:ext cx="3030971" cy="1411482"/>
           </a:xfrm>
           <a:prstGeom prst="rect">
@@ -7188,15 +7233,7 @@
             </a:pPr>
             <a:r>
               <a:rPr lang="zh-TW" altLang="en-US" dirty="0" smtClean="0"/>
-              <a:t>樹</a:t>
-            </a:r>
-            <a:r>
-              <a:rPr lang="zh-TW" altLang="en-US" dirty="0" smtClean="0"/>
-              <a:t>莓派處理接收</a:t>
-            </a:r>
-            <a:r>
-              <a:rPr lang="zh-TW" altLang="en-US" dirty="0" smtClean="0"/>
-              <a:t>網路封包轉成影像在螢幕秀出</a:t>
+              <a:t>樹莓派處理接收網路封包轉成影像在螢幕秀出</a:t>
             </a:r>
             <a:endParaRPr lang="en-US" altLang="zh-TW" dirty="0" smtClean="0"/>
           </a:p>
@@ -7385,11 +7422,7 @@
             </a:r>
             <a:r>
               <a:rPr lang="zh-TW" altLang="en-US" dirty="0" smtClean="0"/>
-              <a:t>有線</a:t>
-            </a:r>
-            <a:r>
-              <a:rPr lang="zh-TW" altLang="en-US" dirty="0" smtClean="0"/>
-              <a:t>網路接區域網路</a:t>
+              <a:t>有線網路接區域網路</a:t>
             </a:r>
             <a:endParaRPr lang="en-US" altLang="zh-TW" dirty="0" smtClean="0"/>
           </a:p>
@@ -7487,11 +7520,7 @@
             </a:r>
             <a:r>
               <a:rPr lang="en-US" altLang="zh-TW" dirty="0" smtClean="0"/>
-              <a:t>Ethernet</a:t>
-            </a:r>
-            <a:r>
-              <a:rPr lang="en-US" altLang="zh-TW" dirty="0" smtClean="0"/>
-              <a:t>(socket</a:t>
+              <a:t>Ethernet(socket</a:t>
             </a:r>
             <a:r>
               <a:rPr lang="zh-TW" altLang="en-US" dirty="0" smtClean="0"/>
@@ -7503,15 +7532,7 @@
             </a:r>
             <a:r>
               <a:rPr lang="zh-TW" altLang="en-US" dirty="0" smtClean="0"/>
-              <a:t>傳</a:t>
-            </a:r>
-            <a:r>
-              <a:rPr lang="zh-TW" altLang="en-US" dirty="0" smtClean="0"/>
-              <a:t>到樹莓派</a:t>
-            </a:r>
-            <a:r>
-              <a:rPr lang="zh-TW" altLang="en-US" dirty="0" smtClean="0"/>
-              <a:t>接收，樹莓派收到資料後回傳已接收的通知封包。</a:t>
+              <a:t>傳到樹莓派接收，樹莓派收到資料後回傳已接收的通知封包。</a:t>
             </a:r>
             <a:endParaRPr lang="zh-TW" altLang="en-US" dirty="0"/>
           </a:p>
